--- a/Class Project/(3) Manipulating Data Pt. 1.pptx
+++ b/Class Project/(3) Manipulating Data Pt. 1.pptx
@@ -25,14 +25,14 @@
       <p:boldItalic r:id="rId11"/>
     </p:embeddedFont>
     <p:embeddedFont>
-      <p:font typeface="Lato" panose="020B0604020202020204" charset="0"/>
+      <p:font typeface="Lato" panose="020F0502020204030203" pitchFamily="34" charset="0"/>
       <p:regular r:id="rId12"/>
       <p:bold r:id="rId13"/>
       <p:italic r:id="rId14"/>
       <p:boldItalic r:id="rId15"/>
     </p:embeddedFont>
     <p:embeddedFont>
-      <p:font typeface="Raleway" panose="020B0604020202020204" charset="0"/>
+      <p:font typeface="Raleway" pitchFamily="2" charset="0"/>
       <p:regular r:id="rId16"/>
       <p:bold r:id="rId17"/>
       <p:italic r:id="rId18"/>
@@ -276,14 +276,6 @@
 </p:presentation>
 </file>
 
-<file path=ppt/revisionInfo.xml><?xml version="1.0" encoding="utf-8"?>
-<p1510:revInfo xmlns:a="http://schemas.openxmlformats.org/drawingml/2006/main" xmlns:r="http://schemas.openxmlformats.org/officeDocument/2006/relationships" xmlns:p1510="http://schemas.microsoft.com/office/powerpoint/2015/10/main">
-  <p1510:revLst>
-    <p1510:client id="{332AC5E5-C314-4124-BA9A-81ABE18C8682}" v="1" dt="2020-05-26T11:45:30.850"/>
-  </p1510:revLst>
-</p1510:revInfo>
-</file>
-
 <file path=ppt/changesInfos/changesInfo1.xml><?xml version="1.0" encoding="utf-8"?>
 <pc:chgInfo xmlns:a="http://schemas.openxmlformats.org/drawingml/2006/main" xmlns:r="http://schemas.openxmlformats.org/officeDocument/2006/relationships" xmlns:ac="http://schemas.microsoft.com/office/drawing/2013/main/command" xmlns:pc="http://schemas.microsoft.com/office/powerpoint/2013/main/command">
   <pc:docChgLst>
@@ -397,6 +389,30 @@
             <pc:docMk/>
             <pc:sldMk cId="0" sldId="270"/>
             <ac:spMk id="292" creationId="{00000000-0000-0000-0000-000000000000}"/>
+          </ac:spMkLst>
+        </pc:spChg>
+      </pc:sldChg>
+    </pc:docChg>
+  </pc:docChgLst>
+  <pc:docChgLst>
+    <pc:chgData name="Jeremy Bergmann" userId="2355ee0d-2b6e-4bfe-a235-383daf8df8e3" providerId="ADAL" clId="{7681DB68-6D64-4CF9-8B63-7B85CE3F7552}"/>
+    <pc:docChg chg="undo custSel modSld">
+      <pc:chgData name="Jeremy Bergmann" userId="2355ee0d-2b6e-4bfe-a235-383daf8df8e3" providerId="ADAL" clId="{7681DB68-6D64-4CF9-8B63-7B85CE3F7552}" dt="2021-10-20T18:50:05.975" v="12" actId="5793"/>
+      <pc:docMkLst>
+        <pc:docMk/>
+      </pc:docMkLst>
+      <pc:sldChg chg="modSp mod">
+        <pc:chgData name="Jeremy Bergmann" userId="2355ee0d-2b6e-4bfe-a235-383daf8df8e3" providerId="ADAL" clId="{7681DB68-6D64-4CF9-8B63-7B85CE3F7552}" dt="2021-10-20T18:50:05.975" v="12" actId="5793"/>
+        <pc:sldMkLst>
+          <pc:docMk/>
+          <pc:sldMk cId="0" sldId="258"/>
+        </pc:sldMkLst>
+        <pc:spChg chg="mod">
+          <ac:chgData name="Jeremy Bergmann" userId="2355ee0d-2b6e-4bfe-a235-383daf8df8e3" providerId="ADAL" clId="{7681DB68-6D64-4CF9-8B63-7B85CE3F7552}" dt="2021-10-20T18:50:05.975" v="12" actId="5793"/>
+          <ac:spMkLst>
+            <pc:docMk/>
+            <pc:sldMk cId="0" sldId="258"/>
+            <ac:spMk id="192" creationId="{00000000-0000-0000-0000-000000000000}"/>
           </ac:spMkLst>
         </pc:spChg>
       </pc:sldChg>
@@ -20686,8 +20702,8 @@
           </a:p>
         </p:txBody>
       </p:sp>
-      <mc:AlternateContent xmlns:mc="http://schemas.openxmlformats.org/markup-compatibility/2006">
-        <mc:Choice xmlns:pslz="http://schemas.microsoft.com/office/powerpoint/2016/slidezoom" Requires="pslz">
+      <mc:AlternateContent xmlns:mc="http://schemas.openxmlformats.org/markup-compatibility/2006" xmlns:pslz="http://schemas.microsoft.com/office/powerpoint/2016/slidezoom">
+        <mc:Choice Requires="pslz">
           <p:graphicFrame>
             <p:nvGraphicFramePr>
               <p:cNvPr id="3" name="Slide Zoom 2">
@@ -20744,7 +20760,7 @@
             </a:graphic>
           </p:graphicFrame>
         </mc:Choice>
-        <mc:Fallback>
+        <mc:Fallback xmlns="">
           <p:pic>
             <p:nvPicPr>
               <p:cNvPr id="3" name="Slide Zoom 2">
@@ -20760,7 +20776,7 @@
               <p:nvPr/>
             </p:nvPicPr>
             <p:blipFill>
-              <a:blip r:embed="rId3"/>
+              <a:blip r:embed="rId4"/>
               <a:stretch>
                 <a:fillRect/>
               </a:stretch>
@@ -20922,14 +20938,99 @@
               <a:buAutoNum type="arabicPeriod"/>
             </a:pPr>
             <a:r>
-              <a:rPr lang="en-US" sz="2400">
+              <a:rPr lang="en-US" sz="2400" dirty="0">
                 <a:solidFill>
                   <a:srgbClr val="000000"/>
                 </a:solidFill>
               </a:rPr>
-              <a:t>Import data into MySQL database (Class 1)</a:t>
+              <a:t>Query Data for Data Understanding/Relevant Information (Class 2) </a:t>
             </a:r>
-            <a:endParaRPr sz="2400">
+          </a:p>
+          <a:p>
+            <a:pPr marL="494098" lvl="0" indent="-494098" algn="l" rtl="0">
+              <a:lnSpc>
+                <a:spcPct val="115000"/>
+              </a:lnSpc>
+              <a:spcBef>
+                <a:spcPts val="1000"/>
+              </a:spcBef>
+              <a:spcAft>
+                <a:spcPts val="0"/>
+              </a:spcAft>
+              <a:buClr>
+                <a:srgbClr val="6AA84F"/>
+              </a:buClr>
+              <a:buSzPts val="2400"/>
+              <a:buFont typeface="Lustria"/>
+              <a:buAutoNum type="arabicPeriod"/>
+            </a:pPr>
+            <a:r>
+              <a:rPr lang="en-US" sz="2400" dirty="0">
+                <a:solidFill>
+                  <a:srgbClr val="6AA84F"/>
+                </a:solidFill>
+              </a:rPr>
+              <a:t>Import data into MySQL database (Class 3)</a:t>
+            </a:r>
+          </a:p>
+          <a:p>
+            <a:pPr marL="494098" lvl="0" indent="-494098" algn="l" rtl="0">
+              <a:lnSpc>
+                <a:spcPct val="115000"/>
+              </a:lnSpc>
+              <a:spcBef>
+                <a:spcPts val="1000"/>
+              </a:spcBef>
+              <a:spcAft>
+                <a:spcPts val="0"/>
+              </a:spcAft>
+              <a:buClr>
+                <a:srgbClr val="6AA84F"/>
+              </a:buClr>
+              <a:buSzPts val="2400"/>
+              <a:buFont typeface="Lustria"/>
+              <a:buAutoNum type="arabicPeriod"/>
+            </a:pPr>
+            <a:r>
+              <a:rPr lang="en-US" sz="2400" dirty="0">
+                <a:solidFill>
+                  <a:srgbClr val="6AA84F"/>
+                </a:solidFill>
+              </a:rPr>
+              <a:t>Storing/Joining data for analysis (Class 3-4)</a:t>
+            </a:r>
+            <a:endParaRPr sz="2400" dirty="0">
+              <a:solidFill>
+                <a:srgbClr val="6AA84F"/>
+              </a:solidFill>
+            </a:endParaRPr>
+          </a:p>
+          <a:p>
+            <a:pPr marL="494098" lvl="0" indent="-494098" algn="l" rtl="0">
+              <a:lnSpc>
+                <a:spcPct val="115000"/>
+              </a:lnSpc>
+              <a:spcBef>
+                <a:spcPts val="1000"/>
+              </a:spcBef>
+              <a:spcAft>
+                <a:spcPts val="0"/>
+              </a:spcAft>
+              <a:buClr>
+                <a:srgbClr val="000000"/>
+              </a:buClr>
+              <a:buSzPts val="2400"/>
+              <a:buAutoNum type="arabicPeriod"/>
+            </a:pPr>
+            <a:r>
+              <a:rPr lang="en-US" sz="2400" dirty="0">
+                <a:solidFill>
+                  <a:srgbClr val="000000"/>
+                </a:solidFill>
+              </a:rPr>
+              <a:t>Cleaning Data (Class 5)</a:t>
+            </a:r>
+            <a:endParaRPr sz="2400" dirty="0">
               <a:solidFill>
                 <a:srgbClr val="000000"/>
               </a:solidFill>
@@ -20941,7 +21042,7 @@
                 <a:spcPct val="115000"/>
               </a:lnSpc>
               <a:spcBef>
-                <a:spcPts val="0"/>
+                <a:spcPts val="1000"/>
               </a:spcBef>
               <a:spcAft>
                 <a:spcPts val="0"/>
@@ -20954,14 +21055,14 @@
               <a:buAutoNum type="arabicPeriod"/>
             </a:pPr>
             <a:r>
-              <a:rPr lang="en-US" sz="2400">
+              <a:rPr lang="en-US" sz="2400" dirty="0">
                 <a:solidFill>
                   <a:srgbClr val="000000"/>
                 </a:solidFill>
               </a:rPr>
-              <a:t>Query Data for Data Understanding/Relevant Information (Class 2) </a:t>
+              <a:t>Normalize Data &amp; Create Data Model (Class 6)</a:t>
             </a:r>
-            <a:endParaRPr sz="2400">
+            <a:endParaRPr sz="2400" dirty="0">
               <a:solidFill>
                 <a:srgbClr val="000000"/>
               </a:solidFill>
@@ -20979,52 +21080,21 @@
                 <a:spcPts val="0"/>
               </a:spcAft>
               <a:buClr>
-                <a:srgbClr val="6AA84F"/>
+                <a:srgbClr val="000000"/>
               </a:buClr>
               <a:buSzPts val="2400"/>
               <a:buFont typeface="Lustria"/>
               <a:buAutoNum type="arabicPeriod"/>
             </a:pPr>
             <a:r>
-              <a:rPr lang="en-US" sz="2400">
-                <a:solidFill>
-                  <a:srgbClr val="6AA84F"/>
+              <a:rPr lang="en-US" sz="2400" dirty="0">
+                <a:solidFill>
+                  <a:srgbClr val="000000"/>
                 </a:solidFill>
               </a:rPr>
-              <a:t>Storing/Joining data for analysis (Class 3-4)</a:t>
+              <a:t>Analyze Data Quality &amp; Create Data Dictionary (Class 7) </a:t>
             </a:r>
-            <a:endParaRPr sz="2400">
-              <a:solidFill>
-                <a:srgbClr val="6AA84F"/>
-              </a:solidFill>
-            </a:endParaRPr>
-          </a:p>
-          <a:p>
-            <a:pPr marL="494098" lvl="0" indent="-494098" algn="l" rtl="0">
-              <a:lnSpc>
-                <a:spcPct val="115000"/>
-              </a:lnSpc>
-              <a:spcBef>
-                <a:spcPts val="1000"/>
-              </a:spcBef>
-              <a:spcAft>
-                <a:spcPts val="0"/>
-              </a:spcAft>
-              <a:buClr>
-                <a:srgbClr val="000000"/>
-              </a:buClr>
-              <a:buSzPts val="2400"/>
-              <a:buAutoNum type="arabicPeriod"/>
-            </a:pPr>
-            <a:r>
-              <a:rPr lang="en-US" sz="2400">
-                <a:solidFill>
-                  <a:srgbClr val="000000"/>
-                </a:solidFill>
-              </a:rPr>
-              <a:t>Cleaning Data (Class 5)</a:t>
-            </a:r>
-            <a:endParaRPr sz="2400">
+            <a:endParaRPr sz="2400" dirty="0">
               <a:solidFill>
                 <a:srgbClr val="000000"/>
               </a:solidFill>
@@ -21049,78 +21119,30 @@
               <a:buAutoNum type="arabicPeriod"/>
             </a:pPr>
             <a:r>
-              <a:rPr lang="en-US" sz="2400">
+              <a:rPr lang="en-US" sz="2400" dirty="0">
                 <a:solidFill>
                   <a:srgbClr val="000000"/>
                 </a:solidFill>
               </a:rPr>
-              <a:t>Normalize Data &amp; Create Data Model (Class 6)</a:t>
+              <a:t>Connect Data to </a:t>
             </a:r>
-            <a:endParaRPr sz="2400">
-              <a:solidFill>
-                <a:srgbClr val="000000"/>
-              </a:solidFill>
-            </a:endParaRPr>
-          </a:p>
-          <a:p>
-            <a:pPr marL="494098" lvl="0" indent="-494098" algn="l" rtl="0">
-              <a:lnSpc>
-                <a:spcPct val="115000"/>
-              </a:lnSpc>
-              <a:spcBef>
-                <a:spcPts val="1000"/>
-              </a:spcBef>
-              <a:spcAft>
-                <a:spcPts val="0"/>
-              </a:spcAft>
-              <a:buClr>
-                <a:srgbClr val="000000"/>
-              </a:buClr>
-              <a:buSzPts val="2400"/>
-              <a:buFont typeface="Lustria"/>
-              <a:buAutoNum type="arabicPeriod"/>
-            </a:pPr>
             <a:r>
-              <a:rPr lang="en-US" sz="2400">
+              <a:rPr lang="en-US" sz="2400" dirty="0" err="1">
                 <a:solidFill>
                   <a:srgbClr val="000000"/>
                 </a:solidFill>
               </a:rPr>
-              <a:t>Analyze Data Quality &amp; Create Data Dictionary (Class 7) </a:t>
+              <a:t>PowerBI</a:t>
             </a:r>
-            <a:endParaRPr sz="2400">
-              <a:solidFill>
-                <a:srgbClr val="000000"/>
-              </a:solidFill>
-            </a:endParaRPr>
-          </a:p>
-          <a:p>
-            <a:pPr marL="494098" lvl="0" indent="-494098" algn="l" rtl="0">
-              <a:lnSpc>
-                <a:spcPct val="115000"/>
-              </a:lnSpc>
-              <a:spcBef>
-                <a:spcPts val="1000"/>
-              </a:spcBef>
-              <a:spcAft>
-                <a:spcPts val="0"/>
-              </a:spcAft>
-              <a:buClr>
-                <a:srgbClr val="000000"/>
-              </a:buClr>
-              <a:buSzPts val="2400"/>
-              <a:buFont typeface="Lustria"/>
-              <a:buAutoNum type="arabicPeriod"/>
-            </a:pPr>
             <a:r>
-              <a:rPr lang="en-US" sz="2400">
+              <a:rPr lang="en-US" sz="2400" dirty="0">
                 <a:solidFill>
                   <a:srgbClr val="000000"/>
                 </a:solidFill>
               </a:rPr>
-              <a:t>Connect Data to PowerBI Desktop/Cloud, Answer Business Questions Automate data workflow using ETL (Python - Optional) (Class 8)</a:t>
+              <a:t> Desktop/Cloud, Answer Business Questions Automate data workflow using ETL (Python - Optional) (Class 8)</a:t>
             </a:r>
-            <a:endParaRPr sz="2400">
+            <a:endParaRPr sz="2400" dirty="0">
               <a:solidFill>
                 <a:srgbClr val="000000"/>
               </a:solidFill>
